--- a/report.pptx
+++ b/report.pptx
@@ -217,7 +217,7 @@
           <a:p>
             <a:fld id="{1C02D897-CD94-4189-B2D6-CF5A5AF22DF4}" type="datetimeFigureOut">
               <a:rPr lang="zh-CN" altLang="en-US" smtClean="0"/>
-              <a:t>2020/12/28</a:t>
+              <a:t>2021/1/14</a:t>
             </a:fld>
             <a:endParaRPr lang="zh-CN" altLang="en-US"/>
           </a:p>
@@ -2143,7 +2143,7 @@
           <a:p>
             <a:fld id="{37A1D5F9-8161-4750-BA9C-50706E47DFB8}" type="datetimeFigureOut">
               <a:rPr lang="zh-CN" altLang="en-US" smtClean="0"/>
-              <a:t>2020/12/28</a:t>
+              <a:t>2021/1/14</a:t>
             </a:fld>
             <a:endParaRPr lang="zh-CN" altLang="en-US"/>
           </a:p>
@@ -2353,7 +2353,7 @@
           <a:p>
             <a:fld id="{37A1D5F9-8161-4750-BA9C-50706E47DFB8}" type="datetimeFigureOut">
               <a:rPr lang="zh-CN" altLang="en-US" smtClean="0"/>
-              <a:t>2020/12/28</a:t>
+              <a:t>2021/1/14</a:t>
             </a:fld>
             <a:endParaRPr lang="zh-CN" altLang="en-US"/>
           </a:p>
@@ -2573,7 +2573,7 @@
           <a:p>
             <a:fld id="{37A1D5F9-8161-4750-BA9C-50706E47DFB8}" type="datetimeFigureOut">
               <a:rPr lang="zh-CN" altLang="en-US" smtClean="0"/>
-              <a:t>2020/12/28</a:t>
+              <a:t>2021/1/14</a:t>
             </a:fld>
             <a:endParaRPr lang="zh-CN" altLang="en-US"/>
           </a:p>
@@ -2783,7 +2783,7 @@
           <a:p>
             <a:fld id="{37A1D5F9-8161-4750-BA9C-50706E47DFB8}" type="datetimeFigureOut">
               <a:rPr lang="zh-CN" altLang="en-US" smtClean="0"/>
-              <a:t>2020/12/28</a:t>
+              <a:t>2021/1/14</a:t>
             </a:fld>
             <a:endParaRPr lang="zh-CN" altLang="en-US"/>
           </a:p>
@@ -3070,7 +3070,7 @@
           <a:p>
             <a:fld id="{37A1D5F9-8161-4750-BA9C-50706E47DFB8}" type="datetimeFigureOut">
               <a:rPr lang="zh-CN" altLang="en-US" smtClean="0"/>
-              <a:t>2020/12/28</a:t>
+              <a:t>2021/1/14</a:t>
             </a:fld>
             <a:endParaRPr lang="zh-CN" altLang="en-US"/>
           </a:p>
@@ -3347,7 +3347,7 @@
           <a:p>
             <a:fld id="{37A1D5F9-8161-4750-BA9C-50706E47DFB8}" type="datetimeFigureOut">
               <a:rPr lang="zh-CN" altLang="en-US" smtClean="0"/>
-              <a:t>2020/12/28</a:t>
+              <a:t>2021/1/14</a:t>
             </a:fld>
             <a:endParaRPr lang="zh-CN" altLang="en-US"/>
           </a:p>
@@ -3771,7 +3771,7 @@
           <a:p>
             <a:fld id="{37A1D5F9-8161-4750-BA9C-50706E47DFB8}" type="datetimeFigureOut">
               <a:rPr lang="zh-CN" altLang="en-US" smtClean="0"/>
-              <a:t>2020/12/28</a:t>
+              <a:t>2021/1/14</a:t>
             </a:fld>
             <a:endParaRPr lang="zh-CN" altLang="en-US"/>
           </a:p>
@@ -3924,7 +3924,7 @@
           <a:p>
             <a:fld id="{37A1D5F9-8161-4750-BA9C-50706E47DFB8}" type="datetimeFigureOut">
               <a:rPr lang="zh-CN" altLang="en-US" smtClean="0"/>
-              <a:t>2020/12/28</a:t>
+              <a:t>2021/1/14</a:t>
             </a:fld>
             <a:endParaRPr lang="zh-CN" altLang="en-US"/>
           </a:p>
@@ -4049,7 +4049,7 @@
           <a:p>
             <a:fld id="{37A1D5F9-8161-4750-BA9C-50706E47DFB8}" type="datetimeFigureOut">
               <a:rPr lang="zh-CN" altLang="en-US" smtClean="0"/>
-              <a:t>2020/12/28</a:t>
+              <a:t>2021/1/14</a:t>
             </a:fld>
             <a:endParaRPr lang="zh-CN" altLang="en-US"/>
           </a:p>
@@ -4372,7 +4372,7 @@
           <a:p>
             <a:fld id="{37A1D5F9-8161-4750-BA9C-50706E47DFB8}" type="datetimeFigureOut">
               <a:rPr lang="zh-CN" altLang="en-US" smtClean="0"/>
-              <a:t>2020/12/28</a:t>
+              <a:t>2021/1/14</a:t>
             </a:fld>
             <a:endParaRPr lang="zh-CN" altLang="en-US"/>
           </a:p>
@@ -4672,7 +4672,7 @@
           <a:p>
             <a:fld id="{37A1D5F9-8161-4750-BA9C-50706E47DFB8}" type="datetimeFigureOut">
               <a:rPr lang="zh-CN" altLang="en-US" smtClean="0"/>
-              <a:t>2020/12/28</a:t>
+              <a:t>2021/1/14</a:t>
             </a:fld>
             <a:endParaRPr lang="zh-CN" altLang="en-US"/>
           </a:p>
@@ -4925,7 +4925,7 @@
           <a:p>
             <a:fld id="{37A1D5F9-8161-4750-BA9C-50706E47DFB8}" type="datetimeFigureOut">
               <a:rPr lang="zh-CN" altLang="en-US" smtClean="0"/>
-              <a:t>2020/12/28</a:t>
+              <a:t>2021/1/14</a:t>
             </a:fld>
             <a:endParaRPr lang="zh-CN" altLang="en-US"/>
           </a:p>
@@ -23078,7 +23078,7 @@
           <a:p>
             <a:r>
               <a:rPr lang="zh-CN" altLang="en-US" dirty="0"/>
-              <a:t>从扇形图上可以看出，</a:t>
+              <a:t>从玫瑰图上可以看出，</a:t>
             </a:r>
             <a:r>
               <a:rPr lang="en-US" altLang="zh-CN" b="1" dirty="0"/>
